--- a/app_dev/custom alert action v0.2.pptx
+++ b/app_dev/custom alert action v0.2.pptx
@@ -239,7 +239,7 @@
           <a:p>
             <a:fld id="{14BFD139-CC41-44D9-B3EE-0C1BD3A04686}" type="datetimeFigureOut">
               <a:rPr lang="en-US" smtClean="0"/>
-              <a:t>6/29/2021</a:t>
+              <a:t>6/29/21</a:t>
             </a:fld>
             <a:endParaRPr lang="en-US"/>
           </a:p>
@@ -779,7 +779,7 @@
           <a:p>
             <a:fld id="{3DA1A576-034B-45D7-9F5B-548D28C1BC98}" type="datetimeFigureOut">
               <a:rPr lang="en-US" smtClean="0"/>
-              <a:t>6/29/2021</a:t>
+              <a:t>6/29/21</a:t>
             </a:fld>
             <a:endParaRPr lang="en-US"/>
           </a:p>
@@ -1841,7 +1841,7 @@
           <a:p>
             <a:fld id="{3DA1A576-034B-45D7-9F5B-548D28C1BC98}" type="datetimeFigureOut">
               <a:rPr lang="en-US" smtClean="0"/>
-              <a:t>6/29/2021</a:t>
+              <a:t>6/29/21</a:t>
             </a:fld>
             <a:endParaRPr lang="en-US"/>
           </a:p>
@@ -2009,7 +2009,7 @@
           <a:p>
             <a:fld id="{3DA1A576-034B-45D7-9F5B-548D28C1BC98}" type="datetimeFigureOut">
               <a:rPr lang="en-US" smtClean="0"/>
-              <a:t>6/29/2021</a:t>
+              <a:t>6/29/21</a:t>
             </a:fld>
             <a:endParaRPr lang="en-US"/>
           </a:p>
@@ -2187,7 +2187,7 @@
           <a:p>
             <a:fld id="{3DA1A576-034B-45D7-9F5B-548D28C1BC98}" type="datetimeFigureOut">
               <a:rPr lang="en-US" smtClean="0"/>
-              <a:t>6/29/2021</a:t>
+              <a:t>6/29/21</a:t>
             </a:fld>
             <a:endParaRPr lang="en-US"/>
           </a:p>
@@ -3156,7 +3156,7 @@
           <a:p>
             <a:fld id="{3DA1A576-034B-45D7-9F5B-548D28C1BC98}" type="datetimeFigureOut">
               <a:rPr lang="en-US" smtClean="0"/>
-              <a:t>6/29/2021</a:t>
+              <a:t>6/29/21</a:t>
             </a:fld>
             <a:endParaRPr lang="en-US"/>
           </a:p>
@@ -3415,7 +3415,7 @@
           <a:p>
             <a:fld id="{3DA1A576-034B-45D7-9F5B-548D28C1BC98}" type="datetimeFigureOut">
               <a:rPr lang="en-US" smtClean="0"/>
-              <a:t>6/29/2021</a:t>
+              <a:t>6/29/21</a:t>
             </a:fld>
             <a:endParaRPr lang="en-US"/>
           </a:p>
@@ -3660,7 +3660,7 @@
           <a:p>
             <a:fld id="{3DA1A576-034B-45D7-9F5B-548D28C1BC98}" type="datetimeFigureOut">
               <a:rPr lang="en-US" smtClean="0"/>
-              <a:t>6/29/2021</a:t>
+              <a:t>6/29/21</a:t>
             </a:fld>
             <a:endParaRPr lang="en-US"/>
           </a:p>
@@ -3889,7 +3889,7 @@
           <a:p>
             <a:fld id="{3DA1A576-034B-45D7-9F5B-548D28C1BC98}" type="datetimeFigureOut">
               <a:rPr lang="en-US" smtClean="0"/>
-              <a:t>6/29/2021</a:t>
+              <a:t>6/29/21</a:t>
             </a:fld>
             <a:endParaRPr lang="en-US"/>
           </a:p>
@@ -4253,7 +4253,7 @@
           <a:p>
             <a:fld id="{3DA1A576-034B-45D7-9F5B-548D28C1BC98}" type="datetimeFigureOut">
               <a:rPr lang="en-US" smtClean="0"/>
-              <a:t>6/29/2021</a:t>
+              <a:t>6/29/21</a:t>
             </a:fld>
             <a:endParaRPr lang="en-US"/>
           </a:p>
@@ -4370,7 +4370,7 @@
           <a:p>
             <a:fld id="{3DA1A576-034B-45D7-9F5B-548D28C1BC98}" type="datetimeFigureOut">
               <a:rPr lang="en-US" smtClean="0"/>
-              <a:t>6/29/2021</a:t>
+              <a:t>6/29/21</a:t>
             </a:fld>
             <a:endParaRPr lang="en-US"/>
           </a:p>
@@ -4465,7 +4465,7 @@
           <a:p>
             <a:fld id="{3DA1A576-034B-45D7-9F5B-548D28C1BC98}" type="datetimeFigureOut">
               <a:rPr lang="en-US" smtClean="0"/>
-              <a:t>6/29/2021</a:t>
+              <a:t>6/29/21</a:t>
             </a:fld>
             <a:endParaRPr lang="en-US"/>
           </a:p>
@@ -4740,7 +4740,7 @@
           <a:p>
             <a:fld id="{3DA1A576-034B-45D7-9F5B-548D28C1BC98}" type="datetimeFigureOut">
               <a:rPr lang="en-US" smtClean="0"/>
-              <a:t>6/29/2021</a:t>
+              <a:t>6/29/21</a:t>
             </a:fld>
             <a:endParaRPr lang="en-US"/>
           </a:p>
@@ -4951,7 +4951,7 @@
           <a:p>
             <a:fld id="{3DA1A576-034B-45D7-9F5B-548D28C1BC98}" type="datetimeFigureOut">
               <a:rPr lang="en-US" smtClean="0"/>
-              <a:t>6/29/2021</a:t>
+              <a:t>6/29/21</a:t>
             </a:fld>
             <a:endParaRPr lang="en-US"/>
           </a:p>
@@ -5416,7 +5416,7 @@
           <p:cNvPr id="28" name="TextBox 27">
             <a:extLst>
               <a:ext uri="{FF2B5EF4-FFF2-40B4-BE49-F238E27FC236}">
-                <a16:creationId xmlns="" xmlns:a16="http://schemas.microsoft.com/office/drawing/2014/main" id="{79D15504-7377-FA49-8389-C91C073A0C2D}"/>
+                <a16:creationId xmlns:a16="http://schemas.microsoft.com/office/drawing/2014/main" id="{79D15504-7377-FA49-8389-C91C073A0C2D}"/>
               </a:ext>
             </a:extLst>
           </p:cNvPr>
@@ -5440,31 +5440,15 @@
           <a:lstStyle/>
           <a:p>
             <a:r>
-              <a:rPr lang="en-US" b="1" dirty="0" smtClean="0">
-                <a:solidFill>
-                  <a:schemeClr val="bg1"/>
-                </a:solidFill>
-              </a:rPr>
-              <a:t>Splunk </a:t>
-            </a:r>
-            <a:r>
               <a:rPr lang="en-US" b="1" dirty="0">
                 <a:solidFill>
                   <a:schemeClr val="bg1"/>
                 </a:solidFill>
               </a:rPr>
-              <a:t>App development </a:t>
-            </a:r>
-            <a:r>
-              <a:rPr lang="en-US" b="1" dirty="0" smtClean="0">
-                <a:solidFill>
-                  <a:schemeClr val="bg1"/>
-                </a:solidFill>
-              </a:rPr>
-              <a:t>(for version </a:t>
-            </a:r>
-            <a:r>
-              <a:rPr lang="en-AE" b="1" dirty="0" smtClean="0">
+              <a:t>Splunk App development (for version </a:t>
+            </a:r>
+            <a:r>
+              <a:rPr lang="en-AE" b="1" dirty="0">
                 <a:solidFill>
                   <a:schemeClr val="bg1"/>
                 </a:solidFill>
@@ -5472,7 +5456,7 @@
               <a:t>8.</a:t>
             </a:r>
             <a:r>
-              <a:rPr lang="en-US" b="1" dirty="0" smtClean="0">
+              <a:rPr lang="en-US" b="1" dirty="0">
                 <a:solidFill>
                   <a:schemeClr val="bg1"/>
                 </a:solidFill>
@@ -5480,18 +5464,13 @@
               <a:t>X</a:t>
             </a:r>
             <a:r>
-              <a:rPr lang="en-AE" b="1" dirty="0" smtClean="0">
+              <a:rPr lang="en-AE" b="1" dirty="0">
                 <a:solidFill>
                   <a:schemeClr val="bg1"/>
                 </a:solidFill>
               </a:rPr>
               <a:t>)</a:t>
             </a:r>
-            <a:endParaRPr lang="en-AE" b="1" dirty="0">
-              <a:solidFill>
-                <a:schemeClr val="bg1"/>
-              </a:solidFill>
-            </a:endParaRPr>
           </a:p>
         </p:txBody>
       </p:sp>
@@ -5505,13 +5484,6 @@
   <p:clrMapOvr>
     <a:masterClrMapping/>
   </p:clrMapOvr>
-  <p:timing>
-    <p:tnLst>
-      <p:par>
-        <p:cTn id="1" dur="indefinite" restart="never" nodeType="tmRoot"/>
-      </p:par>
-    </p:tnLst>
-  </p:timing>
 </p:sld>
 </file>
 
@@ -5563,27 +5535,8 @@
                 </a:solidFill>
                 <a:latin typeface="+mj-lt"/>
               </a:rPr>
-              <a:t>Python </a:t>
-            </a:r>
-            <a:r>
-              <a:rPr lang="en-US" sz="3600" dirty="0" smtClean="0">
-                <a:solidFill>
-                  <a:schemeClr val="tx2">
-                    <a:lumMod val="75000"/>
-                  </a:schemeClr>
-                </a:solidFill>
-                <a:latin typeface="+mj-lt"/>
-              </a:rPr>
-              <a:t>: handle dependencies </a:t>
-            </a:r>
-            <a:endParaRPr lang="en-US" sz="3600" dirty="0">
-              <a:solidFill>
-                <a:schemeClr val="tx2">
-                  <a:lumMod val="75000"/>
-                </a:schemeClr>
-              </a:solidFill>
-              <a:latin typeface="+mj-lt"/>
-            </a:endParaRPr>
+              <a:t>Python : handle dependencies </a:t>
+            </a:r>
           </a:p>
         </p:txBody>
       </p:sp>
@@ -5752,7 +5705,7 @@
               <a:buChar char="•"/>
             </a:pPr>
             <a:r>
-              <a:rPr lang="en-US" sz="2000" dirty="0" smtClean="0">
+              <a:rPr lang="en-US" sz="2000" dirty="0">
                 <a:latin typeface="+mj-lt"/>
               </a:rPr>
               <a:t>Instead of installing the python dependencies on the Splunk instance (python), we can download the module from GitHub and place it in the /bin  or / lib directory.</a:t>
@@ -5773,14 +5726,11 @@
               <a:buChar char="•"/>
             </a:pPr>
             <a:r>
-              <a:rPr lang="en-US" sz="2000" dirty="0" smtClean="0">
+              <a:rPr lang="en-US" sz="2000" dirty="0">
                 <a:latin typeface="+mj-lt"/>
               </a:rPr>
               <a:t>Use the below logic to load the modules manually to the code </a:t>
             </a:r>
-            <a:endParaRPr lang="en-US" sz="2000" dirty="0">
-              <a:latin typeface="+mj-lt"/>
-            </a:endParaRPr>
           </a:p>
         </p:txBody>
       </p:sp>
@@ -5807,26 +5757,23 @@
           <a:lstStyle/>
           <a:p>
             <a:r>
-              <a:rPr lang="en-US" dirty="0" smtClean="0">
+              <a:rPr lang="en-US" dirty="0">
                 <a:latin typeface="+mj-lt"/>
               </a:rPr>
               <a:t>** the python file needs to converted to the .</a:t>
             </a:r>
             <a:r>
-              <a:rPr lang="en-US" dirty="0" err="1" smtClean="0">
+              <a:rPr lang="en-US" dirty="0" err="1">
                 <a:latin typeface="+mj-lt"/>
               </a:rPr>
               <a:t>pyc</a:t>
             </a:r>
             <a:r>
-              <a:rPr lang="en-US" dirty="0" smtClean="0">
+              <a:rPr lang="en-US" dirty="0">
                 <a:latin typeface="+mj-lt"/>
               </a:rPr>
               <a:t> to hide the credentials such as password/ API key/ etc. </a:t>
             </a:r>
-            <a:endParaRPr lang="en-US" dirty="0">
-              <a:latin typeface="+mj-lt"/>
-            </a:endParaRPr>
           </a:p>
         </p:txBody>
       </p:sp>
@@ -5840,13 +5787,6 @@
   <p:clrMapOvr>
     <a:masterClrMapping/>
   </p:clrMapOvr>
-  <p:timing>
-    <p:tnLst>
-      <p:par>
-        <p:cTn id="1" dur="indefinite" restart="never" nodeType="tmRoot"/>
-      </p:par>
-    </p:tnLst>
-  </p:timing>
 </p:sld>
 </file>
 
@@ -5890,7 +5830,7 @@
           <a:lstStyle/>
           <a:p>
             <a:r>
-              <a:rPr lang="en-US" sz="3600" dirty="0" smtClean="0">
+              <a:rPr lang="en-US" sz="3600" dirty="0">
                 <a:solidFill>
                   <a:schemeClr val="tx2">
                     <a:lumMod val="75000"/>
@@ -5900,14 +5840,6 @@
               </a:rPr>
               <a:t>LDAP automation</a:t>
             </a:r>
-            <a:endParaRPr lang="en-US" sz="3600" dirty="0">
-              <a:solidFill>
-                <a:schemeClr val="tx2">
-                  <a:lumMod val="75000"/>
-                </a:schemeClr>
-              </a:solidFill>
-              <a:latin typeface="+mj-lt"/>
-            </a:endParaRPr>
           </a:p>
         </p:txBody>
       </p:sp>
@@ -6048,14 +5980,11 @@
           <a:lstStyle/>
           <a:p>
             <a:r>
-              <a:rPr lang="en-US" sz="2800" dirty="0" smtClean="0">
+              <a:rPr lang="en-US" sz="2800" dirty="0">
                 <a:latin typeface="+mj-lt"/>
               </a:rPr>
               <a:t>Custom alert action to disable/ enable AD users</a:t>
             </a:r>
-            <a:endParaRPr lang="en-US" sz="2800" dirty="0">
-              <a:latin typeface="+mj-lt"/>
-            </a:endParaRPr>
           </a:p>
         </p:txBody>
       </p:sp>
@@ -6069,13 +5998,6 @@
   <p:clrMapOvr>
     <a:masterClrMapping/>
   </p:clrMapOvr>
-  <p:timing>
-    <p:tnLst>
-      <p:par>
-        <p:cTn id="1" dur="indefinite" restart="never" nodeType="tmRoot"/>
-      </p:par>
-    </p:tnLst>
-  </p:timing>
 </p:sld>
 </file>
 
@@ -6121,6 +6043,41 @@
             <a:r>
               <a:rPr lang="en-US" sz="4400" dirty="0"/>
               <a:t>&lt; end of the document &gt;</a:t>
+            </a:r>
+          </a:p>
+        </p:txBody>
+      </p:sp>
+      <p:sp>
+        <p:nvSpPr>
+          <p:cNvPr id="2" name="TextBox 1">
+            <a:extLst>
+              <a:ext uri="{FF2B5EF4-FFF2-40B4-BE49-F238E27FC236}">
+                <a16:creationId xmlns:a16="http://schemas.microsoft.com/office/drawing/2014/main" id="{2802CBC9-E5D5-AF4B-8A3F-B134432CE39D}"/>
+              </a:ext>
+            </a:extLst>
+          </p:cNvPr>
+          <p:cNvSpPr txBox="1"/>
+          <p:nvPr/>
+        </p:nvSpPr>
+        <p:spPr>
+          <a:xfrm>
+            <a:off x="10573407" y="6358759"/>
+            <a:ext cx="1351460" cy="369332"/>
+          </a:xfrm>
+          <a:prstGeom prst="rect">
+            <a:avLst/>
+          </a:prstGeom>
+          <a:noFill/>
+        </p:spPr>
+        <p:txBody>
+          <a:bodyPr wrap="none" rtlCol="0">
+            <a:spAutoFit/>
+          </a:bodyPr>
+          <a:lstStyle/>
+          <a:p>
+            <a:r>
+              <a:rPr lang="en-AE" dirty="0"/>
+              <a:t>Jinto Antony</a:t>
             </a:r>
           </a:p>
         </p:txBody>
@@ -6334,7 +6291,7 @@
               <a:buChar char="•"/>
             </a:pPr>
             <a:r>
-              <a:rPr lang="en-US" sz="3600" dirty="0" smtClean="0">
+              <a:rPr lang="en-US" sz="3600" dirty="0">
                 <a:latin typeface="+mj-lt"/>
               </a:rPr>
               <a:t>Splunk APP architecture,</a:t>
@@ -6349,34 +6306,10 @@
               <a:buChar char="•"/>
             </a:pPr>
             <a:r>
-              <a:rPr lang="en-US" sz="3600" dirty="0" smtClean="0">
-                <a:latin typeface="+mj-lt"/>
-              </a:rPr>
-              <a:t>How to build Custom </a:t>
-            </a:r>
-            <a:r>
               <a:rPr lang="en-US" sz="3600" dirty="0">
                 <a:latin typeface="+mj-lt"/>
               </a:rPr>
-              <a:t>A</a:t>
-            </a:r>
-            <a:r>
-              <a:rPr lang="en-US" sz="3600" dirty="0" smtClean="0">
-                <a:latin typeface="+mj-lt"/>
-              </a:rPr>
-              <a:t>lert </a:t>
-            </a:r>
-            <a:r>
-              <a:rPr lang="en-US" sz="3600" dirty="0">
-                <a:latin typeface="+mj-lt"/>
-              </a:rPr>
-              <a:t>A</a:t>
-            </a:r>
-            <a:r>
-              <a:rPr lang="en-US" sz="3600" dirty="0" smtClean="0">
-                <a:latin typeface="+mj-lt"/>
-              </a:rPr>
-              <a:t>ction APP,</a:t>
+              <a:t>How to build Custom Alert Action APP,</a:t>
             </a:r>
           </a:p>
           <a:p>
@@ -6388,7 +6321,7 @@
               <a:buChar char="•"/>
             </a:pPr>
             <a:r>
-              <a:rPr lang="en-US" sz="3600" dirty="0" smtClean="0">
+              <a:rPr lang="en-US" sz="3600" dirty="0">
                 <a:latin typeface="+mj-lt"/>
               </a:rPr>
               <a:t>Workflow automation using the APP,</a:t>
@@ -6403,7 +6336,7 @@
               <a:buChar char="•"/>
             </a:pPr>
             <a:r>
-              <a:rPr lang="en-US" sz="3600" dirty="0" smtClean="0">
+              <a:rPr lang="en-US" sz="3600" dirty="0">
                 <a:latin typeface="+mj-lt"/>
               </a:rPr>
               <a:t>Logic building with Python,</a:t>
@@ -6418,7 +6351,7 @@
               <a:buChar char="•"/>
             </a:pPr>
             <a:r>
-              <a:rPr lang="en-US" sz="3600" dirty="0" smtClean="0">
+              <a:rPr lang="en-US" sz="3600" dirty="0">
                 <a:latin typeface="+mj-lt"/>
               </a:rPr>
               <a:t>APP packaging, </a:t>
@@ -6436,13 +6369,6 @@
   <p:clrMapOvr>
     <a:masterClrMapping/>
   </p:clrMapOvr>
-  <p:timing>
-    <p:tnLst>
-      <p:par>
-        <p:cTn id="1" dur="indefinite" restart="never" nodeType="tmRoot"/>
-      </p:par>
-    </p:tnLst>
-  </p:timing>
 </p:sld>
 </file>
 
@@ -6486,7 +6412,7 @@
           <a:lstStyle/>
           <a:p>
             <a:r>
-              <a:rPr lang="en-US" sz="3600" dirty="0" smtClean="0">
+              <a:rPr lang="en-US" sz="3600" dirty="0">
                 <a:solidFill>
                   <a:schemeClr val="tx2">
                     <a:lumMod val="75000"/>
@@ -6496,14 +6422,6 @@
               </a:rPr>
               <a:t>App Overview</a:t>
             </a:r>
-            <a:endParaRPr lang="en-US" sz="3600" dirty="0">
-              <a:solidFill>
-                <a:schemeClr val="tx2">
-                  <a:lumMod val="75000"/>
-                </a:schemeClr>
-              </a:solidFill>
-              <a:latin typeface="+mj-lt"/>
-            </a:endParaRPr>
           </a:p>
         </p:txBody>
       </p:sp>
@@ -6830,14 +6748,11 @@
           <a:lstStyle/>
           <a:p>
             <a:r>
-              <a:rPr lang="en-US" dirty="0" smtClean="0">
+              <a:rPr lang="en-US" dirty="0">
                 <a:latin typeface="+mj-lt"/>
               </a:rPr>
               <a:t>APPS</a:t>
             </a:r>
-            <a:endParaRPr lang="en-US" dirty="0">
-              <a:latin typeface="+mj-lt"/>
-            </a:endParaRPr>
           </a:p>
         </p:txBody>
       </p:sp>
@@ -6864,14 +6779,11 @@
           <a:lstStyle/>
           <a:p>
             <a:r>
-              <a:rPr lang="en-US" dirty="0" smtClean="0">
+              <a:rPr lang="en-US" dirty="0">
                 <a:latin typeface="+mj-lt"/>
               </a:rPr>
               <a:t>Add-On's</a:t>
             </a:r>
-            <a:endParaRPr lang="en-US" dirty="0">
-              <a:latin typeface="+mj-lt"/>
-            </a:endParaRPr>
           </a:p>
         </p:txBody>
       </p:sp>
@@ -6898,14 +6810,11 @@
           <a:lstStyle/>
           <a:p>
             <a:r>
-              <a:rPr lang="en-US" dirty="0" smtClean="0">
+              <a:rPr lang="en-US" dirty="0">
                 <a:latin typeface="+mj-lt"/>
               </a:rPr>
               <a:t>Custom Alert</a:t>
             </a:r>
-            <a:endParaRPr lang="en-US" dirty="0">
-              <a:latin typeface="+mj-lt"/>
-            </a:endParaRPr>
           </a:p>
         </p:txBody>
       </p:sp>
@@ -6932,14 +6841,11 @@
           <a:lstStyle/>
           <a:p>
             <a:r>
-              <a:rPr lang="en-US" sz="3200" dirty="0" smtClean="0">
+              <a:rPr lang="en-US" sz="3200" dirty="0">
                 <a:latin typeface="+mj-lt"/>
               </a:rPr>
               <a:t>Splunk APP ecosystem</a:t>
             </a:r>
-            <a:endParaRPr lang="en-US" sz="3200" dirty="0">
-              <a:latin typeface="+mj-lt"/>
-            </a:endParaRPr>
           </a:p>
         </p:txBody>
       </p:sp>
@@ -6948,7 +6854,7 @@
           <p:cNvPr id="12" name="Picture 11" descr="A picture containing text&#10;&#10;Description automatically generated">
             <a:extLst>
               <a:ext uri="{FF2B5EF4-FFF2-40B4-BE49-F238E27FC236}">
-                <a16:creationId xmlns="" xmlns:a16="http://schemas.microsoft.com/office/drawing/2014/main" id="{15EF23CD-A4F8-2248-A729-B4C901A3329A}"/>
+                <a16:creationId xmlns:a16="http://schemas.microsoft.com/office/drawing/2014/main" id="{15EF23CD-A4F8-2248-A729-B4C901A3329A}"/>
               </a:ext>
             </a:extLst>
           </p:cNvPr>
@@ -7002,14 +6908,11 @@
           <a:lstStyle/>
           <a:p>
             <a:r>
-              <a:rPr lang="en-US" sz="3200" dirty="0" smtClean="0">
+              <a:rPr lang="en-US" sz="3200" dirty="0">
                 <a:latin typeface="+mj-lt"/>
               </a:rPr>
               <a:t>Files / Folder structure </a:t>
             </a:r>
-            <a:endParaRPr lang="en-US" sz="3200" dirty="0">
-              <a:latin typeface="+mj-lt"/>
-            </a:endParaRPr>
           </a:p>
         </p:txBody>
       </p:sp>
@@ -7023,13 +6926,6 @@
   <p:clrMapOvr>
     <a:masterClrMapping/>
   </p:clrMapOvr>
-  <p:timing>
-    <p:tnLst>
-      <p:par>
-        <p:cTn id="1" dur="indefinite" restart="never" nodeType="tmRoot"/>
-      </p:par>
-    </p:tnLst>
-  </p:timing>
 </p:sld>
 </file>
 
@@ -7073,7 +6969,7 @@
           <a:lstStyle/>
           <a:p>
             <a:r>
-              <a:rPr lang="en-US" sz="3600" dirty="0" smtClean="0">
+              <a:rPr lang="en-US" sz="3600" dirty="0">
                 <a:solidFill>
                   <a:schemeClr val="tx2">
                     <a:lumMod val="75000"/>
@@ -7083,14 +6979,6 @@
               </a:rPr>
               <a:t>Custom Alert Action</a:t>
             </a:r>
-            <a:endParaRPr lang="en-US" sz="3600" dirty="0">
-              <a:solidFill>
-                <a:schemeClr val="tx2">
-                  <a:lumMod val="75000"/>
-                </a:schemeClr>
-              </a:solidFill>
-              <a:latin typeface="+mj-lt"/>
-            </a:endParaRPr>
           </a:p>
         </p:txBody>
       </p:sp>
@@ -7260,26 +7148,23 @@
               </a:lnSpc>
             </a:pPr>
             <a:r>
-              <a:rPr lang="en-US" dirty="0" smtClean="0">
+              <a:rPr lang="en-US" dirty="0">
                 <a:latin typeface="+mj-lt"/>
               </a:rPr>
               <a:t>“Custom alert action can be used to automate the workflow such as; enable/ disable user accounts, run a </a:t>
             </a:r>
             <a:r>
-              <a:rPr lang="en-US" dirty="0" err="1" smtClean="0">
+              <a:rPr lang="en-US" dirty="0" err="1">
                 <a:latin typeface="+mj-lt"/>
               </a:rPr>
               <a:t>nmap</a:t>
             </a:r>
             <a:r>
-              <a:rPr lang="en-US" dirty="0" smtClean="0">
+              <a:rPr lang="en-US" dirty="0">
                 <a:latin typeface="+mj-lt"/>
               </a:rPr>
               <a:t> scan on the target, raise a service ticket for the incidents, etc.” </a:t>
             </a:r>
-            <a:endParaRPr lang="en-US" dirty="0">
-              <a:latin typeface="+mj-lt"/>
-            </a:endParaRPr>
           </a:p>
         </p:txBody>
       </p:sp>
@@ -7342,13 +7227,6 @@
   <p:clrMapOvr>
     <a:masterClrMapping/>
   </p:clrMapOvr>
-  <p:timing>
-    <p:tnLst>
-      <p:par>
-        <p:cTn id="1" dur="indefinite" restart="never" nodeType="tmRoot"/>
-      </p:par>
-    </p:tnLst>
-  </p:timing>
 </p:sld>
 </file>
 
@@ -7392,7 +7270,7 @@
           <a:lstStyle/>
           <a:p>
             <a:r>
-              <a:rPr lang="en-US" sz="3600" dirty="0" smtClean="0">
+              <a:rPr lang="en-US" sz="3600" dirty="0">
                 <a:solidFill>
                   <a:schemeClr val="tx2">
                     <a:lumMod val="75000"/>
@@ -7402,14 +7280,6 @@
               </a:rPr>
               <a:t>Workflow automation </a:t>
             </a:r>
-            <a:endParaRPr lang="en-US" sz="3600" dirty="0">
-              <a:solidFill>
-                <a:schemeClr val="tx2">
-                  <a:lumMod val="75000"/>
-                </a:schemeClr>
-              </a:solidFill>
-              <a:latin typeface="+mj-lt"/>
-            </a:endParaRPr>
           </a:p>
         </p:txBody>
       </p:sp>
@@ -7682,13 +7552,6 @@
   <p:clrMapOvr>
     <a:masterClrMapping/>
   </p:clrMapOvr>
-  <p:timing>
-    <p:tnLst>
-      <p:par>
-        <p:cTn id="1" dur="indefinite" restart="never" nodeType="tmRoot"/>
-      </p:par>
-    </p:tnLst>
-  </p:timing>
 </p:sld>
 </file>
 
@@ -7732,7 +7595,7 @@
           <a:lstStyle/>
           <a:p>
             <a:r>
-              <a:rPr lang="en-US" sz="3600" dirty="0" smtClean="0">
+              <a:rPr lang="en-US" sz="3600" dirty="0">
                 <a:solidFill>
                   <a:schemeClr val="tx2">
                     <a:lumMod val="75000"/>
@@ -7742,14 +7605,6 @@
               </a:rPr>
               <a:t>APP basic hierarchy </a:t>
             </a:r>
-            <a:endParaRPr lang="en-US" sz="3600" dirty="0">
-              <a:solidFill>
-                <a:schemeClr val="tx2">
-                  <a:lumMod val="75000"/>
-                </a:schemeClr>
-              </a:solidFill>
-              <a:latin typeface="+mj-lt"/>
-            </a:endParaRPr>
           </a:p>
         </p:txBody>
       </p:sp>
@@ -7890,14 +7745,11 @@
           <a:lstStyle/>
           <a:p>
             <a:r>
-              <a:rPr lang="en-US" sz="3200" b="1" dirty="0" smtClean="0">
+              <a:rPr lang="en-US" sz="3200" b="1" dirty="0">
                 <a:latin typeface="+mj-lt"/>
               </a:rPr>
               <a:t>CONF files</a:t>
             </a:r>
-            <a:endParaRPr lang="en-US" sz="3200" b="1" dirty="0">
-              <a:latin typeface="+mj-lt"/>
-            </a:endParaRPr>
           </a:p>
         </p:txBody>
       </p:sp>
@@ -7924,14 +7776,11 @@
           <a:lstStyle/>
           <a:p>
             <a:r>
-              <a:rPr lang="en-US" sz="3200" b="1" dirty="0" smtClean="0">
+              <a:rPr lang="en-US" sz="3200" b="1" dirty="0">
                 <a:latin typeface="+mj-lt"/>
               </a:rPr>
               <a:t>UI files</a:t>
             </a:r>
-            <a:endParaRPr lang="en-US" sz="3200" b="1" dirty="0">
-              <a:latin typeface="+mj-lt"/>
-            </a:endParaRPr>
           </a:p>
         </p:txBody>
       </p:sp>
@@ -7958,14 +7807,11 @@
           <a:lstStyle/>
           <a:p>
             <a:r>
-              <a:rPr lang="en-US" sz="3200" b="1" dirty="0" smtClean="0">
+              <a:rPr lang="en-US" sz="3200" b="1" dirty="0">
                 <a:latin typeface="+mj-lt"/>
               </a:rPr>
               <a:t>Logic Files</a:t>
             </a:r>
-            <a:endParaRPr lang="en-US" sz="3200" b="1" dirty="0">
-              <a:latin typeface="+mj-lt"/>
-            </a:endParaRPr>
           </a:p>
         </p:txBody>
       </p:sp>
@@ -8064,16 +7910,10 @@
           <a:lstStyle/>
           <a:p>
             <a:r>
-              <a:rPr lang="en-US" sz="1400" b="1" dirty="0" smtClean="0">
-                <a:latin typeface="+mj-lt"/>
-              </a:rPr>
-              <a:t>*</a:t>
-            </a:r>
-            <a:r>
               <a:rPr lang="en-US" sz="1400" b="1" dirty="0">
                 <a:latin typeface="+mj-lt"/>
               </a:rPr>
-              <a:t>Nix platforms</a:t>
+              <a:t>*Nix platforms</a:t>
             </a:r>
           </a:p>
           <a:p>
@@ -8110,17 +7950,8 @@
               <a:rPr lang="en-US" sz="1400" dirty="0">
                 <a:latin typeface="+mj-lt"/>
               </a:rPr>
-              <a:t>    filename (</a:t>
-            </a:r>
-            <a:r>
-              <a:rPr lang="en-US" sz="1400" dirty="0" smtClean="0">
-                <a:latin typeface="+mj-lt"/>
-              </a:rPr>
-              <a:t>executable)</a:t>
-            </a:r>
-            <a:endParaRPr lang="en-US" sz="1400" dirty="0">
-              <a:latin typeface="+mj-lt"/>
-            </a:endParaRPr>
+              <a:t>    filename (executable)</a:t>
+            </a:r>
           </a:p>
           <a:p>
             <a:endParaRPr lang="en-US" sz="1400" dirty="0">
@@ -8292,14 +8123,11 @@
           <a:lstStyle/>
           <a:p>
             <a:r>
-              <a:rPr lang="en-US" sz="1200" i="1" dirty="0" smtClean="0">
+              <a:rPr lang="en-US" sz="1200" i="1" dirty="0">
                 <a:latin typeface="+mj-lt"/>
               </a:rPr>
               <a:t>Supported files</a:t>
             </a:r>
-            <a:endParaRPr lang="en-US" sz="1200" i="1" dirty="0">
-              <a:latin typeface="+mj-lt"/>
-            </a:endParaRPr>
           </a:p>
         </p:txBody>
       </p:sp>
@@ -8313,13 +8141,6 @@
   <p:clrMapOvr>
     <a:masterClrMapping/>
   </p:clrMapOvr>
-  <p:timing>
-    <p:tnLst>
-      <p:par>
-        <p:cTn id="1" dur="indefinite" restart="never" nodeType="tmRoot"/>
-      </p:par>
-    </p:tnLst>
-  </p:timing>
 </p:sld>
 </file>
 
@@ -8523,13 +8344,6 @@
   <p:clrMapOvr>
     <a:masterClrMapping/>
   </p:clrMapOvr>
-  <p:timing>
-    <p:tnLst>
-      <p:par>
-        <p:cTn id="1" dur="indefinite" restart="never" nodeType="tmRoot"/>
-      </p:par>
-    </p:tnLst>
-  </p:timing>
 </p:sld>
 </file>
 
@@ -8573,7 +8387,7 @@
           <a:lstStyle/>
           <a:p>
             <a:r>
-              <a:rPr lang="en-US" sz="3600" dirty="0" smtClean="0">
+              <a:rPr lang="en-US" sz="3600" dirty="0">
                 <a:solidFill>
                   <a:schemeClr val="tx2">
                     <a:lumMod val="75000"/>
@@ -8583,14 +8397,6 @@
               </a:rPr>
               <a:t>Approach : Python</a:t>
             </a:r>
-            <a:endParaRPr lang="en-US" sz="3600" dirty="0">
-              <a:solidFill>
-                <a:schemeClr val="tx2">
-                  <a:lumMod val="75000"/>
-                </a:schemeClr>
-              </a:solidFill>
-              <a:latin typeface="+mj-lt"/>
-            </a:endParaRPr>
           </a:p>
         </p:txBody>
       </p:sp>
@@ -8731,26 +8537,23 @@
           <a:lstStyle/>
           <a:p>
             <a:r>
-              <a:rPr lang="en-US" sz="3200" b="1" dirty="0" smtClean="0">
+              <a:rPr lang="en-US" sz="3200" b="1" dirty="0">
                 <a:latin typeface="+mj-lt"/>
               </a:rPr>
               <a:t>Option 1: Using native/ 3</a:t>
             </a:r>
             <a:r>
-              <a:rPr lang="en-US" sz="3200" b="1" baseline="30000" dirty="0" smtClean="0">
+              <a:rPr lang="en-US" sz="3200" b="1" baseline="30000" dirty="0">
                 <a:latin typeface="+mj-lt"/>
               </a:rPr>
               <a:t>rd</a:t>
             </a:r>
             <a:r>
-              <a:rPr lang="en-US" sz="3200" b="1" dirty="0" smtClean="0">
+              <a:rPr lang="en-US" sz="3200" b="1" dirty="0">
                 <a:latin typeface="+mj-lt"/>
               </a:rPr>
               <a:t> party modules </a:t>
             </a:r>
-            <a:endParaRPr lang="en-US" sz="3200" b="1" dirty="0">
-              <a:latin typeface="+mj-lt"/>
-            </a:endParaRPr>
           </a:p>
         </p:txBody>
       </p:sp>
@@ -8777,14 +8580,11 @@
           <a:lstStyle/>
           <a:p>
             <a:r>
-              <a:rPr lang="en-US" sz="3200" b="1" dirty="0" smtClean="0">
+              <a:rPr lang="en-US" sz="3200" b="1" dirty="0">
                 <a:latin typeface="+mj-lt"/>
               </a:rPr>
               <a:t>Option 2: Using Splunk SDK</a:t>
             </a:r>
-            <a:endParaRPr lang="en-US" sz="3200" b="1" dirty="0">
-              <a:latin typeface="+mj-lt"/>
-            </a:endParaRPr>
           </a:p>
         </p:txBody>
       </p:sp>
@@ -8853,13 +8653,6 @@
   <p:clrMapOvr>
     <a:masterClrMapping/>
   </p:clrMapOvr>
-  <p:timing>
-    <p:tnLst>
-      <p:par>
-        <p:cTn id="1" dur="indefinite" restart="never" nodeType="tmRoot"/>
-      </p:par>
-    </p:tnLst>
-  </p:timing>
 </p:sld>
 </file>
 
@@ -8903,7 +8696,7 @@
           <a:lstStyle/>
           <a:p>
             <a:r>
-              <a:rPr lang="en-US" sz="3600" dirty="0" smtClean="0">
+              <a:rPr lang="en-US" sz="3600" dirty="0">
                 <a:solidFill>
                   <a:schemeClr val="tx2">
                     <a:lumMod val="75000"/>
@@ -8913,14 +8706,6 @@
               </a:rPr>
               <a:t>Python Coding</a:t>
             </a:r>
-            <a:endParaRPr lang="en-US" sz="3600" dirty="0">
-              <a:solidFill>
-                <a:schemeClr val="tx2">
-                  <a:lumMod val="75000"/>
-                </a:schemeClr>
-              </a:solidFill>
-              <a:latin typeface="+mj-lt"/>
-            </a:endParaRPr>
           </a:p>
         </p:txBody>
       </p:sp>
@@ -9092,7 +8877,7 @@
               <a:buChar char="•"/>
             </a:pPr>
             <a:r>
-              <a:rPr lang="en-US" dirty="0" smtClean="0">
+              <a:rPr lang="en-US" dirty="0">
                 <a:latin typeface="+mj-lt"/>
               </a:rPr>
               <a:t>Alert logic is written in the script files</a:t>
@@ -9107,7 +8892,7 @@
               <a:buChar char="•"/>
             </a:pPr>
             <a:r>
-              <a:rPr lang="en-US" dirty="0" smtClean="0">
+              <a:rPr lang="en-US" dirty="0">
                 <a:latin typeface="+mj-lt"/>
               </a:rPr>
               <a:t>Place all the script files in the /bin directory,</a:t>
@@ -9122,26 +8907,23 @@
               <a:buChar char="•"/>
             </a:pPr>
             <a:r>
-              <a:rPr lang="en-US" dirty="0" smtClean="0">
+              <a:rPr lang="en-US" dirty="0">
                 <a:latin typeface="+mj-lt"/>
               </a:rPr>
               <a:t>The initial python script name (example; </a:t>
             </a:r>
             <a:r>
-              <a:rPr lang="en-US" dirty="0" err="1" smtClean="0">
+              <a:rPr lang="en-US" dirty="0" err="1">
                 <a:latin typeface="+mj-lt"/>
               </a:rPr>
               <a:t>mysoc</a:t>
             </a:r>
             <a:r>
-              <a:rPr lang="en-US" dirty="0" smtClean="0">
+              <a:rPr lang="en-US" dirty="0">
                 <a:latin typeface="+mj-lt"/>
               </a:rPr>
               <a:t>) must be used in other Splunk configuration files, </a:t>
             </a:r>
-            <a:endParaRPr lang="en-US" dirty="0">
-              <a:latin typeface="+mj-lt"/>
-            </a:endParaRPr>
           </a:p>
         </p:txBody>
       </p:sp>
@@ -9282,14 +9064,11 @@
           <a:lstStyle/>
           <a:p>
             <a:r>
-              <a:rPr lang="en-US" sz="3200" b="1" dirty="0" smtClean="0">
+              <a:rPr lang="en-US" sz="3200" b="1" dirty="0">
                 <a:latin typeface="+mj-lt"/>
               </a:rPr>
               <a:t>Payload </a:t>
             </a:r>
-            <a:endParaRPr lang="en-US" sz="3200" b="1" dirty="0">
-              <a:latin typeface="+mj-lt"/>
-            </a:endParaRPr>
           </a:p>
         </p:txBody>
       </p:sp>
@@ -9358,7 +9137,7 @@
           <a:lstStyle/>
           <a:p>
             <a:r>
-              <a:rPr lang="en-US" sz="3200" b="1" dirty="0" smtClean="0">
+              <a:rPr lang="en-US" sz="3200" b="1" dirty="0">
                 <a:solidFill>
                   <a:srgbClr val="FFC000"/>
                 </a:solidFill>
@@ -9366,12 +9145,6 @@
               </a:rPr>
               <a:t>Configuration </a:t>
             </a:r>
-            <a:endParaRPr lang="en-US" sz="3200" b="1" dirty="0">
-              <a:solidFill>
-                <a:srgbClr val="FFC000"/>
-              </a:solidFill>
-              <a:latin typeface="+mj-lt"/>
-            </a:endParaRPr>
           </a:p>
         </p:txBody>
       </p:sp>
@@ -9398,7 +9171,7 @@
           <a:lstStyle/>
           <a:p>
             <a:r>
-              <a:rPr lang="en-US" sz="3200" b="1" dirty="0" smtClean="0">
+              <a:rPr lang="en-US" sz="3200" b="1" dirty="0">
                 <a:solidFill>
                   <a:schemeClr val="accent6">
                     <a:lumMod val="60000"/>
@@ -9409,15 +9182,6 @@
               </a:rPr>
               <a:t>Results</a:t>
             </a:r>
-            <a:endParaRPr lang="en-US" sz="3200" b="1" dirty="0">
-              <a:solidFill>
-                <a:schemeClr val="accent6">
-                  <a:lumMod val="60000"/>
-                  <a:lumOff val="40000"/>
-                </a:schemeClr>
-              </a:solidFill>
-              <a:latin typeface="+mj-lt"/>
-            </a:endParaRPr>
           </a:p>
         </p:txBody>
       </p:sp>
@@ -9431,13 +9195,6 @@
   <p:clrMapOvr>
     <a:masterClrMapping/>
   </p:clrMapOvr>
-  <p:timing>
-    <p:tnLst>
-      <p:par>
-        <p:cTn id="1" dur="indefinite" restart="never" nodeType="tmRoot"/>
-      </p:par>
-    </p:tnLst>
-  </p:timing>
 </p:sld>
 </file>
 
